--- a/PowerPoints/09 - Constraint Analysis.pptx
+++ b/PowerPoints/09 - Constraint Analysis.pptx
@@ -7480,58 +7480,35 @@
           </a:p>
           <a:p>
             <a:r>
-              <a:rPr lang="en-US" sz="2200" dirty="0" err="1">
-                <a:latin typeface="Consolas" panose="020B0609020204030204" pitchFamily="49" charset="0"/>
-              </a:rPr>
-              <a:t>OutputStmt</a:t>
-            </a:r>
-            <a:endParaRPr lang="en-US" sz="2200" dirty="0">
-              <a:latin typeface="Consolas" panose="020B0609020204030204" pitchFamily="49" charset="0"/>
-            </a:endParaRPr>
+              <a:rPr lang="en-US" sz="2200" dirty="0">
+                <a:latin typeface="Consolas" panose="020B0609020204030204" pitchFamily="49" charset="0"/>
+              </a:rPr>
+              <a:t>Program</a:t>
+            </a:r>
           </a:p>
           <a:p>
             <a:pPr lvl="1"/>
             <a:r>
               <a:rPr lang="en-US" sz="1900" dirty="0"/>
-              <a:t>Type Rule: Each expression must have type </a:t>
+              <a:t>Miscellaneous Rule: A program must contain a </a:t>
+            </a:r>
+            <a:r>
+              <a:rPr lang="en-US" sz="1900" dirty="0" err="1"/>
+              <a:t>parameterless</a:t>
+            </a:r>
+            <a:r>
+              <a:rPr lang="en-US" sz="1900" dirty="0"/>
+              <a:t> procedure named </a:t>
             </a:r>
             <a:r>
               <a:rPr lang="en-US" sz="1900" dirty="0">
                 <a:latin typeface="Consolas" panose="020B0609020204030204" pitchFamily="49" charset="0"/>
               </a:rPr>
-              <a:t>Integer</a:t>
+              <a:t>main()</a:t>
             </a:r>
             <a:r>
               <a:rPr lang="en-US" sz="1900" dirty="0"/>
-              <a:t>, </a:t>
-            </a:r>
-            <a:r>
-              <a:rPr lang="en-US" sz="1900" dirty="0">
-                <a:latin typeface="Consolas" panose="020B0609020204030204" pitchFamily="49" charset="0"/>
-              </a:rPr>
-              <a:t>Char</a:t>
-            </a:r>
-            <a:r>
-              <a:rPr lang="en-US" sz="1900" dirty="0"/>
-              <a:t>, </a:t>
-            </a:r>
-            <a:r>
-              <a:rPr lang="en-US" sz="1900" dirty="0">
-                <a:latin typeface="Consolas" panose="020B0609020204030204" pitchFamily="49" charset="0"/>
-              </a:rPr>
-              <a:t>Boolean</a:t>
-            </a:r>
-            <a:r>
-              <a:rPr lang="en-US" sz="1900" dirty="0"/>
-              <a:t>, or a string type.  Output is supported only for integers, characters, </a:t>
-            </a:r>
-            <a:r>
-              <a:rPr lang="en-US" sz="1900" dirty="0" err="1"/>
-              <a:t>booleans</a:t>
-            </a:r>
-            <a:r>
-              <a:rPr lang="en-US" sz="1900" dirty="0"/>
-              <a:t>, and strings.</a:t>
+              <a:t>.</a:t>
             </a:r>
           </a:p>
         </p:txBody>
@@ -7665,6 +7642,62 @@
         <p:txBody>
           <a:bodyPr/>
           <a:lstStyle/>
+          <a:p>
+            <a:r>
+              <a:rPr lang="en-US" sz="2200" dirty="0" err="1">
+                <a:latin typeface="Consolas" panose="020B0609020204030204" pitchFamily="49" charset="0"/>
+              </a:rPr>
+              <a:t>OutputStmt</a:t>
+            </a:r>
+            <a:endParaRPr lang="en-US" sz="2200" dirty="0">
+              <a:latin typeface="Consolas" panose="020B0609020204030204" pitchFamily="49" charset="0"/>
+            </a:endParaRPr>
+          </a:p>
+          <a:p>
+            <a:pPr lvl="1"/>
+            <a:r>
+              <a:rPr lang="en-US" sz="1900" dirty="0"/>
+              <a:t>Type Rule: Each expression must have type </a:t>
+            </a:r>
+            <a:r>
+              <a:rPr lang="en-US" sz="1900" dirty="0">
+                <a:latin typeface="Consolas" panose="020B0609020204030204" pitchFamily="49" charset="0"/>
+              </a:rPr>
+              <a:t>Integer</a:t>
+            </a:r>
+            <a:r>
+              <a:rPr lang="en-US" sz="1900" dirty="0"/>
+              <a:t>, </a:t>
+            </a:r>
+            <a:r>
+              <a:rPr lang="en-US" sz="1900" dirty="0">
+                <a:latin typeface="Consolas" panose="020B0609020204030204" pitchFamily="49" charset="0"/>
+              </a:rPr>
+              <a:t>Char</a:t>
+            </a:r>
+            <a:r>
+              <a:rPr lang="en-US" sz="1900" dirty="0"/>
+              <a:t>, </a:t>
+            </a:r>
+            <a:r>
+              <a:rPr lang="en-US" sz="1900" dirty="0">
+                <a:latin typeface="Consolas" panose="020B0609020204030204" pitchFamily="49" charset="0"/>
+              </a:rPr>
+              <a:t>Boolean</a:t>
+            </a:r>
+            <a:r>
+              <a:rPr lang="en-US" sz="1900" dirty="0"/>
+              <a:t>, or a string type.  Output is supported only for integers, characters, </a:t>
+            </a:r>
+            <a:r>
+              <a:rPr lang="en-US" sz="1900" dirty="0" err="1"/>
+              <a:t>booleans</a:t>
+            </a:r>
+            <a:r>
+              <a:rPr lang="en-US" sz="1900" dirty="0"/>
+              <a:t>, and strings.</a:t>
+            </a:r>
+          </a:p>
           <a:p>
             <a:r>
               <a:rPr lang="en-US" sz="2200" dirty="0" err="1">

--- a/PowerPoints/09 - Constraint Analysis.pptx
+++ b/PowerPoints/09 - Constraint Analysis.pptx
@@ -8539,8 +8539,17 @@
               <a:rPr lang="en-US" sz="1800" dirty="0">
                 <a:latin typeface="Consolas" pitchFamily="49" charset="0"/>
               </a:rPr>
-              <a:t>(), expr)</a:t>
-            </a:r>
+              <a:t>(), </a:t>
+            </a:r>
+            <a:r>
+              <a:rPr lang="en-US" sz="1800">
+                <a:latin typeface="Consolas" pitchFamily="49" charset="0"/>
+              </a:rPr>
+              <a:t>expr))</a:t>
+            </a:r>
+            <a:endParaRPr lang="en-US" sz="1800" dirty="0">
+              <a:latin typeface="Consolas" pitchFamily="49" charset="0"/>
+            </a:endParaRPr>
           </a:p>
           <a:p>
             <a:pPr marL="182880" indent="0">

--- a/PowerPoints/09 - Constraint Analysis.pptx
+++ b/PowerPoints/09 - Constraint Analysis.pptx
@@ -26,7 +26,7 @@
     <p:sldId id="295" r:id="rId14"/>
     <p:sldId id="276" r:id="rId15"/>
     <p:sldId id="268" r:id="rId16"/>
-    <p:sldId id="301" r:id="rId17"/>
+    <p:sldId id="364" r:id="rId17"/>
     <p:sldId id="283" r:id="rId18"/>
     <p:sldId id="284" r:id="rId19"/>
     <p:sldId id="280" r:id="rId20"/>
@@ -1609,7 +1609,7 @@
     </p:spTree>
     <p:extLst>
       <p:ext uri="{BB962C8B-B14F-4D97-AF65-F5344CB8AC3E}">
-        <p14:creationId xmlns:p14="http://schemas.microsoft.com/office/powerpoint/2010/main" val="1064445331"/>
+        <p14:creationId xmlns:p14="http://schemas.microsoft.com/office/powerpoint/2010/main" val="582022513"/>
       </p:ext>
     </p:extLst>
   </p:cSld>
@@ -6665,6 +6665,14 @@
               </a:rPr>
               <a:t>0</a:t>
             </a:r>
+            <a:br>
+              <a:rPr lang="en-US" dirty="0"/>
+            </a:br>
+            <a:r>
+              <a:rPr lang="en-US" sz="2400" dirty="0"/>
+              <a:t>(continued)</a:t>
+            </a:r>
+            <a:endParaRPr lang="en-US" sz="2800" dirty="0"/>
           </a:p>
         </p:txBody>
       </p:sp>
@@ -6678,12 +6686,7 @@
             <p:ph idx="1"/>
           </p:nvPr>
         </p:nvSpPr>
-        <p:spPr>
-          <a:xfrm>
-            <a:off x="458788" y="1363663"/>
-            <a:ext cx="8226425" cy="4935537"/>
-          </a:xfrm>
-        </p:spPr>
+        <p:spPr/>
         <p:txBody>
           <a:bodyPr/>
           <a:lstStyle/>
@@ -6699,95 +6702,10 @@
               <a:t> and </a:t>
             </a:r>
             <a:r>
-              <a:rPr lang="en-US" sz="2200" dirty="0">
+              <a:rPr lang="en-US" sz="2200" dirty="0" err="1">
                 <a:latin typeface="Consolas" panose="020B0609020204030204" pitchFamily="49" charset="0"/>
               </a:rPr>
               <a:t>ConstValue</a:t>
-            </a:r>
-          </a:p>
-          <a:p>
-            <a:pPr lvl="1"/>
-            <a:r>
-              <a:rPr lang="en-US" sz="1900" dirty="0"/>
-              <a:t>Miscellaneous Rule: If the literal value has type </a:t>
-            </a:r>
-            <a:r>
-              <a:rPr lang="en-US" sz="1900" dirty="0">
-                <a:latin typeface="Consolas" panose="020B0609020204030204" pitchFamily="49" charset="0"/>
-              </a:rPr>
-              <a:t>Integer</a:t>
-            </a:r>
-            <a:r>
-              <a:rPr lang="en-US" sz="1900" dirty="0"/>
-              <a:t>, then it must be able to be converted to an integer value on the CPRL virtual machine.</a:t>
-            </a:r>
-          </a:p>
-          <a:p>
-            <a:pPr lvl="2"/>
-            <a:r>
-              <a:rPr lang="en-US" dirty="0"/>
-              <a:t>Object </a:t>
-            </a:r>
-            <a:r>
-              <a:rPr lang="en-US" dirty="0" err="1">
-                <a:latin typeface="Consolas" panose="020B0609020204030204" pitchFamily="49" charset="0"/>
-              </a:rPr>
-              <a:t>IntUtil</a:t>
-            </a:r>
-            <a:r>
-              <a:rPr lang="en-US" dirty="0"/>
-              <a:t> in package </a:t>
-            </a:r>
-            <a:r>
-              <a:rPr lang="en-US" dirty="0" err="1">
-                <a:latin typeface="Consolas" panose="020B0609020204030204" pitchFamily="49" charset="0"/>
-              </a:rPr>
-              <a:t>edu.citadel.common</a:t>
-            </a:r>
-            <a:r>
-              <a:rPr lang="en-US" dirty="0"/>
-              <a:t> has a method named </a:t>
-            </a:r>
-            <a:r>
-              <a:rPr lang="en-US" dirty="0" err="1">
-                <a:latin typeface="Consolas" panose="020B0609020204030204" pitchFamily="49" charset="0"/>
-              </a:rPr>
-              <a:t>toInt</a:t>
-            </a:r>
-            <a:r>
-              <a:rPr lang="en-US" dirty="0">
-                <a:latin typeface="Consolas" panose="020B0609020204030204" pitchFamily="49" charset="0"/>
-              </a:rPr>
-              <a:t>()</a:t>
-            </a:r>
-            <a:r>
-              <a:rPr lang="en-US" dirty="0"/>
-              <a:t> that can be used to check this.</a:t>
-            </a:r>
-          </a:p>
-          <a:p>
-            <a:pPr lvl="2"/>
-            <a:r>
-              <a:rPr lang="en-US" dirty="0"/>
-              <a:t>If the check fails, set the literal’s value to a valid value for type </a:t>
-            </a:r>
-            <a:r>
-              <a:rPr lang="en-US" dirty="0">
-                <a:latin typeface="Consolas" panose="020B0609020204030204" pitchFamily="49" charset="0"/>
-              </a:rPr>
-              <a:t>Integer</a:t>
-            </a:r>
-            <a:r>
-              <a:rPr lang="en-US" dirty="0"/>
-              <a:t> in order to prevent additional error messages.</a:t>
-            </a:r>
-          </a:p>
-          <a:p>
-            <a:r>
-              <a:rPr lang="en-US" sz="2200" dirty="0" err="1">
-                <a:latin typeface="Consolas" panose="020B0609020204030204" pitchFamily="49" charset="0"/>
-              </a:rPr>
-              <a:t>ExitStmt</a:t>
             </a:r>
             <a:endParaRPr lang="en-US" sz="2200" dirty="0">
               <a:latin typeface="Consolas" panose="020B0609020204030204" pitchFamily="49" charset="0"/>
@@ -6797,6 +6715,94 @@
             <a:pPr lvl="1"/>
             <a:r>
               <a:rPr lang="en-US" sz="1900" dirty="0"/>
+              <a:t>Miscellaneous Rule: If the literal value has type </a:t>
+            </a:r>
+            <a:r>
+              <a:rPr lang="en-US" sz="1900" dirty="0">
+                <a:latin typeface="Consolas" panose="020B0609020204030204" pitchFamily="49" charset="0"/>
+              </a:rPr>
+              <a:t>Integer</a:t>
+            </a:r>
+            <a:r>
+              <a:rPr lang="en-US" sz="1900" dirty="0"/>
+              <a:t>, then it must be able to be converted to an integer value on the CPRL virtual machine.</a:t>
+            </a:r>
+          </a:p>
+          <a:p>
+            <a:pPr lvl="2"/>
+            <a:r>
+              <a:rPr lang="en-US" dirty="0"/>
+              <a:t>Object </a:t>
+            </a:r>
+            <a:r>
+              <a:rPr lang="en-US" dirty="0" err="1">
+                <a:latin typeface="Consolas" panose="020B0609020204030204" pitchFamily="49" charset="0"/>
+              </a:rPr>
+              <a:t>IntUtil</a:t>
+            </a:r>
+            <a:r>
+              <a:rPr lang="en-US" dirty="0"/>
+              <a:t> in package </a:t>
+            </a:r>
+            <a:r>
+              <a:rPr lang="en-US" dirty="0" err="1">
+                <a:latin typeface="Consolas" panose="020B0609020204030204" pitchFamily="49" charset="0"/>
+              </a:rPr>
+              <a:t>edu.citadel.common</a:t>
+            </a:r>
+            <a:r>
+              <a:rPr lang="en-US" dirty="0"/>
+              <a:t> has a method named </a:t>
+            </a:r>
+            <a:r>
+              <a:rPr lang="en-US" dirty="0" err="1">
+                <a:latin typeface="Consolas" panose="020B0609020204030204" pitchFamily="49" charset="0"/>
+              </a:rPr>
+              <a:t>toInt</a:t>
+            </a:r>
+            <a:r>
+              <a:rPr lang="en-US" dirty="0">
+                <a:latin typeface="Consolas" panose="020B0609020204030204" pitchFamily="49" charset="0"/>
+              </a:rPr>
+              <a:t>()</a:t>
+            </a:r>
+            <a:r>
+              <a:rPr lang="en-US" dirty="0"/>
+              <a:t> that can be used to check this.</a:t>
+            </a:r>
+          </a:p>
+          <a:p>
+            <a:pPr lvl="2"/>
+            <a:r>
+              <a:rPr lang="en-US" dirty="0"/>
+              <a:t>If the check fails, set the literal’s value to a valid value for type </a:t>
+            </a:r>
+            <a:r>
+              <a:rPr lang="en-US" dirty="0">
+                <a:latin typeface="Consolas" panose="020B0609020204030204" pitchFamily="49" charset="0"/>
+              </a:rPr>
+              <a:t>Integer</a:t>
+            </a:r>
+            <a:r>
+              <a:rPr lang="en-US" dirty="0"/>
+              <a:t> in order to prevent additional error messages.</a:t>
+            </a:r>
+          </a:p>
+          <a:p>
+            <a:r>
+              <a:rPr lang="en-US" sz="2200" dirty="0" err="1">
+                <a:latin typeface="Consolas" panose="020B0609020204030204" pitchFamily="49" charset="0"/>
+              </a:rPr>
+              <a:t>ExitStmt</a:t>
+            </a:r>
+            <a:endParaRPr lang="en-US" sz="2200" dirty="0">
+              <a:latin typeface="Consolas" panose="020B0609020204030204" pitchFamily="49" charset="0"/>
+            </a:endParaRPr>
+          </a:p>
+          <a:p>
+            <a:pPr lvl="1"/>
+            <a:r>
+              <a:rPr lang="en-US" sz="1900" dirty="0"/>
               <a:t>Type Rule: If a “</a:t>
             </a:r>
             <a:r>
@@ -6867,8 +6873,16 @@
           <a:lstStyle/>
           <a:p>
             <a:r>
-              <a:rPr lang="en-US"/>
-              <a:t>©SoftMoore Consulting</a:t>
+              <a:rPr lang="en-US" dirty="0"/>
+              <a:t>©</a:t>
+            </a:r>
+            <a:r>
+              <a:rPr lang="en-US" dirty="0" err="1"/>
+              <a:t>SoftMoore</a:t>
+            </a:r>
+            <a:r>
+              <a:rPr lang="en-US" dirty="0"/>
+              <a:t> Consulting</a:t>
             </a:r>
           </a:p>
         </p:txBody>
@@ -6905,7 +6919,13 @@
       </p:sp>
       <p:sp>
         <p:nvSpPr>
-          <p:cNvPr id="6" name="Rectangle 5"/>
+          <p:cNvPr id="2" name="Rectangle 1">
+            <a:extLst>
+              <a:ext uri="{FF2B5EF4-FFF2-40B4-BE49-F238E27FC236}">
+                <a16:creationId xmlns:a16="http://schemas.microsoft.com/office/drawing/2014/main" id="{8E24A5C8-E02C-F35A-5836-E5F261C188EE}"/>
+              </a:ext>
+            </a:extLst>
+          </p:cNvPr>
           <p:cNvSpPr/>
           <p:nvPr/>
         </p:nvSpPr>
@@ -6992,11 +7012,6 @@
         </p:txBody>
       </p:sp>
     </p:spTree>
-    <p:extLst>
-      <p:ext uri="{BB962C8B-B14F-4D97-AF65-F5344CB8AC3E}">
-        <p14:creationId xmlns:p14="http://schemas.microsoft.com/office/powerpoint/2010/main" val="484243597"/>
-      </p:ext>
-    </p:extLst>
   </p:cSld>
   <p:clrMapOvr>
     <a:masterClrMapping/>
